--- a/Présentation/PresentationClientsComptes-KlettGutierrezVoirolSchneider.pptx
+++ b/Présentation/PresentationClientsComptes-KlettGutierrezVoirolSchneider.pptx
@@ -5,27 +5,28 @@
     <p:sldMasterId id="2147483648" r:id="rId1"/>
   </p:sldMasterIdLst>
   <p:notesMasterIdLst>
-    <p:notesMasterId r:id="rId15"/>
+    <p:notesMasterId r:id="rId16"/>
   </p:notesMasterIdLst>
   <p:sldIdLst>
     <p:sldId id="256" r:id="rId2"/>
     <p:sldId id="257" r:id="rId3"/>
     <p:sldId id="258" r:id="rId4"/>
-    <p:sldId id="259" r:id="rId5"/>
-    <p:sldId id="264" r:id="rId6"/>
-    <p:sldId id="268" r:id="rId7"/>
-    <p:sldId id="261" r:id="rId8"/>
-    <p:sldId id="262" r:id="rId9"/>
-    <p:sldId id="263" r:id="rId10"/>
-    <p:sldId id="265" r:id="rId11"/>
-    <p:sldId id="266" r:id="rId12"/>
-    <p:sldId id="267" r:id="rId13"/>
-    <p:sldId id="260" r:id="rId14"/>
+    <p:sldId id="270" r:id="rId5"/>
+    <p:sldId id="259" r:id="rId6"/>
+    <p:sldId id="264" r:id="rId7"/>
+    <p:sldId id="268" r:id="rId8"/>
+    <p:sldId id="261" r:id="rId9"/>
+    <p:sldId id="262" r:id="rId10"/>
+    <p:sldId id="263" r:id="rId11"/>
+    <p:sldId id="265" r:id="rId12"/>
+    <p:sldId id="266" r:id="rId13"/>
+    <p:sldId id="267" r:id="rId14"/>
+    <p:sldId id="260" r:id="rId15"/>
   </p:sldIdLst>
   <p:sldSz cx="9144000" cy="6858000" type="screen4x3"/>
   <p:notesSz cx="6858000" cy="9144000"/>
   <p:custDataLst>
-    <p:tags r:id="rId16"/>
+    <p:tags r:id="rId17"/>
   </p:custDataLst>
   <p:defaultTextStyle>
     <a:defPPr>
@@ -223,7 +224,7 @@
           <a:p>
             <a:fld id="{67CB570D-21AD-4F3D-82F5-8A96395485A5}" type="datetimeFigureOut">
               <a:rPr lang="fr-CH" smtClean="0"/>
-              <a:t>20.04.2016</a:t>
+              <a:t>26.04.2016</a:t>
             </a:fld>
             <a:endParaRPr lang="fr-CH"/>
           </a:p>
@@ -382,7 +383,7 @@
           <a:p>
             <a:fld id="{8804BC45-8A4C-4708-A213-37DE77044581}" type="slidenum">
               <a:rPr lang="fr-CH" smtClean="0"/>
-              <a:t>‹N°›</a:t>
+              <a:t>‹#›</a:t>
             </a:fld>
             <a:endParaRPr lang="fr-CH"/>
           </a:p>
@@ -2512,7 +2513,6 @@
               <a:rPr lang="fr-CH" sz="1600" dirty="0"/>
               <a:t>Schneider Julien </a:t>
             </a:r>
-            <a:endParaRPr lang="fr-CH" sz="1600" dirty="0"/>
           </a:p>
         </p:txBody>
       </p:sp>
@@ -2799,11 +2799,7 @@
           <a:p>
             <a:r>
               <a:rPr lang="fr-CH" dirty="0" smtClean="0"/>
-              <a:t>Principe de </a:t>
-            </a:r>
-            <a:r>
-              <a:rPr lang="fr-CH" dirty="0" err="1" smtClean="0"/>
-              <a:t>gamification</a:t>
+              <a:t>Maquettes IHM</a:t>
             </a:r>
             <a:endParaRPr lang="fr-CH" dirty="0"/>
           </a:p>
@@ -2824,6 +2820,174 @@
           <a:bodyPr/>
           <a:lstStyle/>
           <a:p>
+            <a:r>
+              <a:rPr lang="fr-CH" dirty="0" smtClean="0"/>
+              <a:t>Page d’accueil:</a:t>
+            </a:r>
+          </a:p>
+          <a:p>
+            <a:endParaRPr lang="fr-CH" dirty="0" smtClean="0"/>
+          </a:p>
+          <a:p>
+            <a:pPr lvl="1"/>
+            <a:endParaRPr lang="fr-CH" dirty="0"/>
+          </a:p>
+        </p:txBody>
+      </p:sp>
+      <p:pic>
+        <p:nvPicPr>
+          <p:cNvPr id="5" name="Image 4"/>
+          <p:cNvPicPr>
+            <a:picLocks noChangeAspect="1"/>
+          </p:cNvPicPr>
+          <p:nvPr/>
+        </p:nvPicPr>
+        <p:blipFill>
+          <a:blip r:embed="rId2">
+            <a:extLst>
+              <a:ext uri="{28A0092B-C50C-407E-A947-70E740481C1C}">
+                <a14:useLocalDpi xmlns:a14="http://schemas.microsoft.com/office/drawing/2010/main" val="0"/>
+              </a:ext>
+            </a:extLst>
+          </a:blip>
+          <a:stretch>
+            <a:fillRect/>
+          </a:stretch>
+        </p:blipFill>
+        <p:spPr>
+          <a:xfrm>
+            <a:off x="971600" y="2492896"/>
+            <a:ext cx="6784566" cy="3618435"/>
+          </a:xfrm>
+          <a:prstGeom prst="rect">
+            <a:avLst/>
+          </a:prstGeom>
+        </p:spPr>
+      </p:pic>
+    </p:spTree>
+    <p:extLst>
+      <p:ext uri="{BB962C8B-B14F-4D97-AF65-F5344CB8AC3E}">
+        <p14:creationId xmlns:p14="http://schemas.microsoft.com/office/powerpoint/2010/main" val="455240279"/>
+      </p:ext>
+    </p:extLst>
+  </p:cSld>
+  <p:clrMapOvr>
+    <a:masterClrMapping/>
+  </p:clrMapOvr>
+  <p:timing>
+    <p:tnLst>
+      <p:par>
+        <p:cTn id="1" dur="indefinite" restart="never" nodeType="tmRoot"/>
+      </p:par>
+    </p:tnLst>
+  </p:timing>
+</p:sld>
+</file>
+
+<file path=ppt/slides/slide11.xml><?xml version="1.0" encoding="utf-8"?>
+<p:sld xmlns:a="http://schemas.openxmlformats.org/drawingml/2006/main" xmlns:r="http://schemas.openxmlformats.org/officeDocument/2006/relationships" xmlns:p="http://schemas.openxmlformats.org/presentationml/2006/main">
+  <p:cSld>
+    <p:spTree>
+      <p:nvGrpSpPr>
+        <p:cNvPr id="1" name=""/>
+        <p:cNvGrpSpPr/>
+        <p:nvPr/>
+      </p:nvGrpSpPr>
+      <p:grpSpPr>
+        <a:xfrm>
+          <a:off x="0" y="0"/>
+          <a:ext cx="0" cy="0"/>
+          <a:chOff x="0" y="0"/>
+          <a:chExt cx="0" cy="0"/>
+        </a:xfrm>
+      </p:grpSpPr>
+      <p:sp>
+        <p:nvSpPr>
+          <p:cNvPr id="2" name="Espace réservé du texte 1"/>
+          <p:cNvSpPr>
+            <a:spLocks noGrp="1"/>
+          </p:cNvSpPr>
+          <p:nvPr>
+            <p:ph type="body" sz="quarter" idx="10"/>
+          </p:nvPr>
+        </p:nvSpPr>
+        <p:spPr/>
+        <p:txBody>
+          <a:bodyPr/>
+          <a:lstStyle/>
+          <a:p>
+            <a:r>
+              <a:rPr lang="fr-CH" dirty="0" smtClean="0"/>
+              <a:t>Principe de </a:t>
+            </a:r>
+            <a:r>
+              <a:rPr lang="fr-CH" dirty="0" err="1" smtClean="0"/>
+              <a:t>gamification</a:t>
+            </a:r>
+            <a:endParaRPr lang="fr-CH" dirty="0"/>
+          </a:p>
+        </p:txBody>
+      </p:sp>
+      <p:sp>
+        <p:nvSpPr>
+          <p:cNvPr id="3" name="Espace réservé du texte 2"/>
+          <p:cNvSpPr>
+            <a:spLocks noGrp="1"/>
+          </p:cNvSpPr>
+          <p:nvPr>
+            <p:ph type="body" sz="quarter" idx="11"/>
+          </p:nvPr>
+        </p:nvSpPr>
+        <p:spPr/>
+        <p:txBody>
+          <a:bodyPr/>
+          <a:lstStyle/>
+          <a:p>
+            <a:r>
+              <a:rPr lang="en-US" dirty="0" smtClean="0"/>
+              <a:t>Principe :</a:t>
+            </a:r>
+          </a:p>
+          <a:p>
+            <a:pPr lvl="1"/>
+            <a:r>
+              <a:rPr lang="en-US" dirty="0" err="1" smtClean="0"/>
+              <a:t>Statistiques</a:t>
+            </a:r>
+            <a:endParaRPr lang="en-US" dirty="0" smtClean="0"/>
+          </a:p>
+          <a:p>
+            <a:pPr lvl="2"/>
+            <a:r>
+              <a:rPr lang="en-US" sz="2000" dirty="0" err="1" smtClean="0"/>
+              <a:t>Nombre</a:t>
+            </a:r>
+            <a:r>
+              <a:rPr lang="en-US" sz="2000" dirty="0" smtClean="0"/>
+              <a:t> de transactions</a:t>
+            </a:r>
+          </a:p>
+          <a:p>
+            <a:pPr lvl="2"/>
+            <a:r>
+              <a:rPr lang="en-US" sz="2000" dirty="0" err="1" smtClean="0"/>
+              <a:t>Montants</a:t>
+            </a:r>
+            <a:r>
+              <a:rPr lang="en-US" sz="2000" dirty="0" smtClean="0"/>
+              <a:t> des transactions</a:t>
+            </a:r>
+          </a:p>
+          <a:p>
+            <a:pPr lvl="1"/>
+            <a:r>
+              <a:rPr lang="en-US" dirty="0" err="1" smtClean="0"/>
+              <a:t>Classement</a:t>
+            </a:r>
+            <a:endParaRPr lang="en-US" dirty="0" smtClean="0"/>
+          </a:p>
+          <a:p>
+            <a:pPr lvl="2"/>
             <a:endParaRPr lang="fr-CH" dirty="0"/>
           </a:p>
         </p:txBody>
@@ -2848,7 +3012,7 @@
 </p:sld>
 </file>
 
-<file path=ppt/slides/slide11.xml><?xml version="1.0" encoding="utf-8"?>
+<file path=ppt/slides/slide12.xml><?xml version="1.0" encoding="utf-8"?>
 <p:sld xmlns:a="http://schemas.openxmlformats.org/drawingml/2006/main" xmlns:r="http://schemas.openxmlformats.org/officeDocument/2006/relationships" xmlns:p="http://schemas.openxmlformats.org/presentationml/2006/main">
   <p:cSld>
     <p:spTree>
@@ -2967,7 +3131,7 @@
 </p:sld>
 </file>
 
-<file path=ppt/slides/slide12.xml><?xml version="1.0" encoding="utf-8"?>
+<file path=ppt/slides/slide13.xml><?xml version="1.0" encoding="utf-8"?>
 <p:sld xmlns:a="http://schemas.openxmlformats.org/drawingml/2006/main" xmlns:r="http://schemas.openxmlformats.org/officeDocument/2006/relationships" xmlns:p="http://schemas.openxmlformats.org/presentationml/2006/main">
   <p:cSld>
     <p:spTree>
@@ -3038,8 +3202,20 @@
             <a:pPr lvl="1"/>
             <a:r>
               <a:rPr lang="fr-CH" dirty="0" smtClean="0"/>
-              <a:t>Création IHM</a:t>
-            </a:r>
+              <a:t>Création </a:t>
+            </a:r>
+            <a:r>
+              <a:rPr lang="fr-CH" dirty="0" smtClean="0"/>
+              <a:t>de l’interface de l’application</a:t>
+            </a:r>
+          </a:p>
+          <a:p>
+            <a:pPr lvl="1"/>
+            <a:r>
+              <a:rPr lang="en-US" dirty="0" smtClean="0"/>
+              <a:t>Gamification</a:t>
+            </a:r>
+            <a:endParaRPr lang="fr-CH" dirty="0" smtClean="0"/>
           </a:p>
           <a:p>
             <a:pPr lvl="1"/>
@@ -3088,7 +3264,7 @@
 </p:sld>
 </file>
 
-<file path=ppt/slides/slide13.xml><?xml version="1.0" encoding="utf-8"?>
+<file path=ppt/slides/slide14.xml><?xml version="1.0" encoding="utf-8"?>
 <p:sld xmlns:a="http://schemas.openxmlformats.org/drawingml/2006/main" xmlns:r="http://schemas.openxmlformats.org/officeDocument/2006/relationships" xmlns:p="http://schemas.openxmlformats.org/presentationml/2006/main">
   <p:cSld>
     <p:spTree>
@@ -3642,8 +3818,35 @@
                 <a:ea typeface="Tahoma" panose="020B0604030504040204" pitchFamily="34" charset="0"/>
                 <a:cs typeface="Tahoma" panose="020B0604030504040204" pitchFamily="34" charset="0"/>
               </a:rPr>
-              <a:t>Gestion des transactions bancaires</a:t>
-            </a:r>
+              <a:t>Gestion des transactions </a:t>
+            </a:r>
+            <a:r>
+              <a:rPr lang="fr-CH" sz="2000" dirty="0" smtClean="0">
+                <a:latin typeface="Tahoma" panose="020B0604030504040204" pitchFamily="34" charset="0"/>
+                <a:ea typeface="Tahoma" panose="020B0604030504040204" pitchFamily="34" charset="0"/>
+                <a:cs typeface="Tahoma" panose="020B0604030504040204" pitchFamily="34" charset="0"/>
+              </a:rPr>
+              <a:t>bancaires</a:t>
+            </a:r>
+          </a:p>
+          <a:p>
+            <a:pPr lvl="1">
+              <a:buFont typeface="Arial" panose="020B0604020202020204" pitchFamily="34" charset="0"/>
+              <a:buChar char="•"/>
+            </a:pPr>
+            <a:r>
+              <a:rPr lang="en-US" dirty="0" smtClean="0"/>
+              <a:t>Gamification de </a:t>
+            </a:r>
+            <a:r>
+              <a:rPr lang="en-US" dirty="0" err="1" smtClean="0"/>
+              <a:t>l’application</a:t>
+            </a:r>
+            <a:endParaRPr lang="fr-CH" sz="2000" dirty="0" smtClean="0">
+              <a:latin typeface="Tahoma" panose="020B0604030504040204" pitchFamily="34" charset="0"/>
+              <a:ea typeface="Tahoma" panose="020B0604030504040204" pitchFamily="34" charset="0"/>
+              <a:cs typeface="Tahoma" panose="020B0604030504040204" pitchFamily="34" charset="0"/>
+            </a:endParaRPr>
           </a:p>
           <a:p>
             <a:pPr>
@@ -3680,35 +3883,35 @@
           <a:p>
             <a:r>
               <a:rPr lang="fr-CH" sz="2400" dirty="0" smtClean="0"/>
-              <a:t>Connexion à la base de données ens2</a:t>
+              <a:t>Connexion à la base de données </a:t>
+            </a:r>
+            <a:r>
+              <a:rPr lang="fr-CH" sz="2400" dirty="0" smtClean="0"/>
+              <a:t>ens2</a:t>
             </a:r>
           </a:p>
           <a:p>
             <a:pPr lvl="1"/>
             <a:r>
-              <a:rPr lang="fr-CH" dirty="0"/>
-              <a:t>o</a:t>
-            </a:r>
-            <a:r>
-              <a:rPr lang="fr-CH" sz="2000" dirty="0" smtClean="0">
-                <a:latin typeface="Tahoma" panose="020B0604030504040204" pitchFamily="34" charset="0"/>
-                <a:ea typeface="Tahoma" panose="020B0604030504040204" pitchFamily="34" charset="0"/>
-                <a:cs typeface="Tahoma" panose="020B0604030504040204" pitchFamily="34" charset="0"/>
-              </a:rPr>
-              <a:t>jdbc6.jar</a:t>
-            </a:r>
-            <a:endParaRPr lang="fr-CH" sz="2000" dirty="0">
-              <a:latin typeface="Tahoma" panose="020B0604030504040204" pitchFamily="34" charset="0"/>
-              <a:ea typeface="Tahoma" panose="020B0604030504040204" pitchFamily="34" charset="0"/>
-              <a:cs typeface="Tahoma" panose="020B0604030504040204" pitchFamily="34" charset="0"/>
-            </a:endParaRPr>
+              <a:rPr lang="en-US" sz="2000" dirty="0" err="1" smtClean="0"/>
+              <a:t>Schéma</a:t>
+            </a:r>
+            <a:r>
+              <a:rPr lang="en-US" sz="2000" dirty="0" smtClean="0"/>
+              <a:t> : </a:t>
+            </a:r>
+            <a:r>
+              <a:rPr lang="en-US" sz="2000" dirty="0" err="1" smtClean="0"/>
+              <a:t>boris_klett</a:t>
+            </a:r>
+            <a:endParaRPr lang="fr-CH" sz="2000" dirty="0" smtClean="0"/>
           </a:p>
         </p:txBody>
       </p:sp>
     </p:spTree>
     <p:extLst>
       <p:ext uri="{BB962C8B-B14F-4D97-AF65-F5344CB8AC3E}">
-        <p14:creationId xmlns:p14="http://schemas.microsoft.com/office/powerpoint/2010/main" val="1178970985"/>
+        <p14:creationId xmlns:p14="http://schemas.microsoft.com/office/powerpoint/2010/main" val="861026142"/>
       </p:ext>
     </p:extLst>
   </p:cSld>
@@ -3758,6 +3961,260 @@
           <a:lstStyle/>
           <a:p>
             <a:r>
+              <a:rPr lang="fr-CH" sz="2800" dirty="0" smtClean="0"/>
+              <a:t>Présentation</a:t>
+            </a:r>
+            <a:r>
+              <a:rPr lang="fr-CH" dirty="0" smtClean="0"/>
+              <a:t> de l’application</a:t>
+            </a:r>
+            <a:endParaRPr lang="fr-CH" dirty="0"/>
+          </a:p>
+        </p:txBody>
+      </p:sp>
+      <p:sp>
+        <p:nvSpPr>
+          <p:cNvPr id="3" name="Espace réservé du texte 2"/>
+          <p:cNvSpPr>
+            <a:spLocks noGrp="1"/>
+          </p:cNvSpPr>
+          <p:nvPr>
+            <p:ph type="body" sz="quarter" idx="11"/>
+          </p:nvPr>
+        </p:nvSpPr>
+        <p:spPr/>
+        <p:txBody>
+          <a:bodyPr/>
+          <a:lstStyle/>
+          <a:p>
+            <a:pPr>
+              <a:buFont typeface="Arial" panose="020B0604020202020204" pitchFamily="34" charset="0"/>
+              <a:buChar char="•"/>
+            </a:pPr>
+            <a:r>
+              <a:rPr lang="fr-CH" dirty="0" smtClean="0"/>
+              <a:t>Technologies WEB utilisées :</a:t>
+            </a:r>
+          </a:p>
+          <a:p>
+            <a:pPr lvl="1"/>
+            <a:r>
+              <a:rPr lang="en-US" dirty="0" smtClean="0"/>
+              <a:t>Bootstrap</a:t>
+            </a:r>
+            <a:endParaRPr lang="fr-CH" dirty="0" smtClean="0"/>
+          </a:p>
+          <a:p>
+            <a:pPr lvl="1">
+              <a:buFont typeface="Arial" panose="020B0604020202020204" pitchFamily="34" charset="0"/>
+              <a:buChar char="•"/>
+            </a:pPr>
+            <a:r>
+              <a:rPr lang="fr-CH" dirty="0" smtClean="0"/>
+              <a:t>jQ</a:t>
+            </a:r>
+            <a:r>
+              <a:rPr lang="fr-CH" sz="2000" dirty="0" smtClean="0">
+                <a:latin typeface="Tahoma" panose="020B0604030504040204" pitchFamily="34" charset="0"/>
+                <a:ea typeface="Tahoma" panose="020B0604030504040204" pitchFamily="34" charset="0"/>
+                <a:cs typeface="Tahoma" panose="020B0604030504040204" pitchFamily="34" charset="0"/>
+              </a:rPr>
+              <a:t>uery</a:t>
+            </a:r>
+          </a:p>
+          <a:p>
+            <a:pPr lvl="1">
+              <a:buFont typeface="Arial" panose="020B0604020202020204" pitchFamily="34" charset="0"/>
+              <a:buChar char="•"/>
+            </a:pPr>
+            <a:r>
+              <a:rPr lang="en-US" dirty="0" smtClean="0"/>
+              <a:t>Ajax</a:t>
+            </a:r>
+            <a:endParaRPr lang="fr-CH" sz="2000" dirty="0" smtClean="0">
+              <a:latin typeface="Tahoma" panose="020B0604030504040204" pitchFamily="34" charset="0"/>
+              <a:ea typeface="Tahoma" panose="020B0604030504040204" pitchFamily="34" charset="0"/>
+              <a:cs typeface="Tahoma" panose="020B0604030504040204" pitchFamily="34" charset="0"/>
+            </a:endParaRPr>
+          </a:p>
+        </p:txBody>
+      </p:sp>
+      <p:pic>
+        <p:nvPicPr>
+          <p:cNvPr id="1026" name="Picture 2" descr="https://camo.githubusercontent.com/02ed3f6695f288aedec24c2a329c667281efef5f/687474703a2f2f707265636973696f6e2d736f6674776172652e636f6d2f77702d636f6e74656e742f75706c6f6164732f323031342f30342f6a5175726572792e676966"/>
+          <p:cNvPicPr>
+            <a:picLocks noChangeAspect="1" noChangeArrowheads="1"/>
+          </p:cNvPicPr>
+          <p:nvPr/>
+        </p:nvPicPr>
+        <p:blipFill>
+          <a:blip r:embed="rId2" cstate="print">
+            <a:extLst>
+              <a:ext uri="{28A0092B-C50C-407E-A947-70E740481C1C}">
+                <a14:useLocalDpi xmlns:a14="http://schemas.microsoft.com/office/drawing/2010/main" val="0"/>
+              </a:ext>
+            </a:extLst>
+          </a:blip>
+          <a:srcRect/>
+          <a:stretch>
+            <a:fillRect/>
+          </a:stretch>
+        </p:blipFill>
+        <p:spPr bwMode="auto">
+          <a:xfrm>
+            <a:off x="3639678" y="4427202"/>
+            <a:ext cx="1220354" cy="1220354"/>
+          </a:xfrm>
+          <a:prstGeom prst="rect">
+            <a:avLst/>
+          </a:prstGeom>
+          <a:noFill/>
+          <a:extLst>
+            <a:ext uri="{909E8E84-426E-40DD-AFC4-6F175D3DCCD1}">
+              <a14:hiddenFill xmlns:a14="http://schemas.microsoft.com/office/drawing/2010/main">
+                <a:solidFill>
+                  <a:srgbClr val="FFFFFF"/>
+                </a:solidFill>
+              </a14:hiddenFill>
+            </a:ext>
+          </a:extLst>
+        </p:spPr>
+      </p:pic>
+      <p:pic>
+        <p:nvPicPr>
+          <p:cNvPr id="1028" name="Picture 4" descr="http://bmdm.com/wp-content/uploads/bootstrap.png"/>
+          <p:cNvPicPr>
+            <a:picLocks noChangeAspect="1" noChangeArrowheads="1"/>
+          </p:cNvPicPr>
+          <p:nvPr/>
+        </p:nvPicPr>
+        <p:blipFill>
+          <a:blip r:embed="rId3">
+            <a:extLst>
+              <a:ext uri="{28A0092B-C50C-407E-A947-70E740481C1C}">
+                <a14:useLocalDpi xmlns:a14="http://schemas.microsoft.com/office/drawing/2010/main" val="0"/>
+              </a:ext>
+            </a:extLst>
+          </a:blip>
+          <a:srcRect/>
+          <a:stretch>
+            <a:fillRect/>
+          </a:stretch>
+        </p:blipFill>
+        <p:spPr bwMode="auto">
+          <a:xfrm>
+            <a:off x="539552" y="4468375"/>
+            <a:ext cx="2466611" cy="1138436"/>
+          </a:xfrm>
+          <a:prstGeom prst="rect">
+            <a:avLst/>
+          </a:prstGeom>
+          <a:noFill/>
+          <a:extLst>
+            <a:ext uri="{909E8E84-426E-40DD-AFC4-6F175D3DCCD1}">
+              <a14:hiddenFill xmlns:a14="http://schemas.microsoft.com/office/drawing/2010/main">
+                <a:solidFill>
+                  <a:srgbClr val="FFFFFF"/>
+                </a:solidFill>
+              </a14:hiddenFill>
+            </a:ext>
+          </a:extLst>
+        </p:spPr>
+      </p:pic>
+      <p:pic>
+        <p:nvPicPr>
+          <p:cNvPr id="1030" name="Picture 6" descr="https://upload.wikimedia.org/wikipedia/commons/thumb/a/a1/AJAX_logo_by_gengns.svg/2000px-AJAX_logo_by_gengns.svg.png"/>
+          <p:cNvPicPr>
+            <a:picLocks noChangeAspect="1" noChangeArrowheads="1"/>
+          </p:cNvPicPr>
+          <p:nvPr/>
+        </p:nvPicPr>
+        <p:blipFill>
+          <a:blip r:embed="rId4" cstate="print">
+            <a:extLst>
+              <a:ext uri="{28A0092B-C50C-407E-A947-70E740481C1C}">
+                <a14:useLocalDpi xmlns:a14="http://schemas.microsoft.com/office/drawing/2010/main" val="0"/>
+              </a:ext>
+            </a:extLst>
+          </a:blip>
+          <a:srcRect/>
+          <a:stretch>
+            <a:fillRect/>
+          </a:stretch>
+        </p:blipFill>
+        <p:spPr bwMode="auto">
+          <a:xfrm>
+            <a:off x="5652120" y="4484812"/>
+            <a:ext cx="2304256" cy="1105133"/>
+          </a:xfrm>
+          <a:prstGeom prst="rect">
+            <a:avLst/>
+          </a:prstGeom>
+          <a:noFill/>
+          <a:extLst>
+            <a:ext uri="{909E8E84-426E-40DD-AFC4-6F175D3DCCD1}">
+              <a14:hiddenFill xmlns:a14="http://schemas.microsoft.com/office/drawing/2010/main">
+                <a:solidFill>
+                  <a:srgbClr val="FFFFFF"/>
+                </a:solidFill>
+              </a14:hiddenFill>
+            </a:ext>
+          </a:extLst>
+        </p:spPr>
+      </p:pic>
+    </p:spTree>
+    <p:extLst>
+      <p:ext uri="{BB962C8B-B14F-4D97-AF65-F5344CB8AC3E}">
+        <p14:creationId xmlns:p14="http://schemas.microsoft.com/office/powerpoint/2010/main" val="1178970985"/>
+      </p:ext>
+    </p:extLst>
+  </p:cSld>
+  <p:clrMapOvr>
+    <a:masterClrMapping/>
+  </p:clrMapOvr>
+  <p:timing>
+    <p:tnLst>
+      <p:par>
+        <p:cTn id="1" dur="indefinite" restart="never" nodeType="tmRoot"/>
+      </p:par>
+    </p:tnLst>
+  </p:timing>
+</p:sld>
+</file>
+
+<file path=ppt/slides/slide6.xml><?xml version="1.0" encoding="utf-8"?>
+<p:sld xmlns:a="http://schemas.openxmlformats.org/drawingml/2006/main" xmlns:r="http://schemas.openxmlformats.org/officeDocument/2006/relationships" xmlns:p="http://schemas.openxmlformats.org/presentationml/2006/main">
+  <p:cSld>
+    <p:spTree>
+      <p:nvGrpSpPr>
+        <p:cNvPr id="1" name=""/>
+        <p:cNvGrpSpPr/>
+        <p:nvPr/>
+      </p:nvGrpSpPr>
+      <p:grpSpPr>
+        <a:xfrm>
+          <a:off x="0" y="0"/>
+          <a:ext cx="0" cy="0"/>
+          <a:chOff x="0" y="0"/>
+          <a:chExt cx="0" cy="0"/>
+        </a:xfrm>
+      </p:grpSpPr>
+      <p:sp>
+        <p:nvSpPr>
+          <p:cNvPr id="2" name="Espace réservé du texte 1"/>
+          <p:cNvSpPr>
+            <a:spLocks noGrp="1"/>
+          </p:cNvSpPr>
+          <p:nvPr>
+            <p:ph type="body" sz="quarter" idx="10"/>
+          </p:nvPr>
+        </p:nvSpPr>
+        <p:spPr/>
+        <p:txBody>
+          <a:bodyPr/>
+          <a:lstStyle/>
+          <a:p>
+            <a:r>
               <a:rPr lang="fr-CH" dirty="0" smtClean="0"/>
               <a:t>Structure du Code</a:t>
             </a:r>
@@ -3828,7 +4285,7 @@
 </p:sld>
 </file>
 
-<file path=ppt/slides/slide6.xml><?xml version="1.0" encoding="utf-8"?>
+<file path=ppt/slides/slide7.xml><?xml version="1.0" encoding="utf-8"?>
 <p:sld xmlns:a="http://schemas.openxmlformats.org/drawingml/2006/main" xmlns:r="http://schemas.openxmlformats.org/officeDocument/2006/relationships" xmlns:p="http://schemas.openxmlformats.org/presentationml/2006/main">
   <p:cSld>
     <p:spTree>
@@ -3935,7 +4392,7 @@
 </p:sld>
 </file>
 
-<file path=ppt/slides/slide7.xml><?xml version="1.0" encoding="utf-8"?>
+<file path=ppt/slides/slide8.xml><?xml version="1.0" encoding="utf-8"?>
 <p:sld xmlns:a="http://schemas.openxmlformats.org/drawingml/2006/main" xmlns:r="http://schemas.openxmlformats.org/officeDocument/2006/relationships" xmlns:p="http://schemas.openxmlformats.org/presentationml/2006/main">
   <p:cSld>
     <p:spTree>
@@ -3991,12 +4448,8 @@
           <a:lstStyle/>
           <a:p>
             <a:r>
-              <a:rPr lang="fr-CH" smtClean="0"/>
-              <a:t>Maquettes réalisées </a:t>
-            </a:r>
-            <a:r>
-              <a:rPr lang="fr-CH" dirty="0" smtClean="0"/>
-              <a:t>avec </a:t>
+              <a:rPr lang="fr-CH" dirty="0" smtClean="0"/>
+              <a:t>Maquettes réalisées avec </a:t>
             </a:r>
             <a:r>
               <a:rPr lang="fr-CH" dirty="0" err="1" smtClean="0"/>
@@ -4005,39 +4458,74 @@
             <a:endParaRPr lang="fr-CH" dirty="0" smtClean="0"/>
           </a:p>
           <a:p>
+            <a:endParaRPr lang="en-US" dirty="0"/>
+          </a:p>
+          <a:p>
+            <a:r>
+              <a:rPr lang="en-US" dirty="0"/>
+              <a:t>Bon </a:t>
+            </a:r>
+            <a:r>
+              <a:rPr lang="en-US" dirty="0" err="1"/>
+              <a:t>outil</a:t>
+            </a:r>
+            <a:r>
+              <a:rPr lang="en-US" dirty="0"/>
+              <a:t> de </a:t>
+            </a:r>
+            <a:r>
+              <a:rPr lang="en-US" dirty="0" smtClean="0"/>
+              <a:t>communication</a:t>
+            </a:r>
+          </a:p>
+          <a:p>
+            <a:endParaRPr lang="fr-CH" dirty="0"/>
+          </a:p>
+          <a:p>
+            <a:r>
+              <a:rPr lang="en-US" dirty="0" err="1" smtClean="0"/>
+              <a:t>Listes</a:t>
+            </a:r>
+            <a:r>
+              <a:rPr lang="en-US" dirty="0" smtClean="0"/>
+              <a:t> des </a:t>
+            </a:r>
+            <a:r>
+              <a:rPr lang="en-US" dirty="0" err="1" smtClean="0"/>
+              <a:t>maquettes</a:t>
+            </a:r>
+            <a:r>
+              <a:rPr lang="en-US" dirty="0" smtClean="0"/>
+              <a:t> :</a:t>
+            </a:r>
+          </a:p>
+          <a:p>
             <a:pPr lvl="1"/>
             <a:r>
-              <a:rPr lang="fr-CH" dirty="0" smtClean="0"/>
-              <a:t>Application locale</a:t>
-            </a:r>
+              <a:rPr lang="en-US" dirty="0" smtClean="0"/>
+              <a:t>Plan du site</a:t>
+            </a:r>
+            <a:endParaRPr lang="en-US" dirty="0"/>
           </a:p>
           <a:p>
             <a:pPr lvl="1"/>
+            <a:r>
+              <a:rPr lang="en-US" dirty="0" smtClean="0"/>
+              <a:t>1 </a:t>
+            </a:r>
+            <a:r>
+              <a:rPr lang="en-US" dirty="0" err="1" smtClean="0"/>
+              <a:t>maquette</a:t>
+            </a:r>
+            <a:r>
+              <a:rPr lang="en-US" dirty="0" smtClean="0"/>
+              <a:t> par page de </a:t>
+            </a:r>
+            <a:r>
+              <a:rPr lang="en-US" dirty="0" err="1" smtClean="0"/>
+              <a:t>l’application</a:t>
+            </a:r>
             <a:endParaRPr lang="fr-CH" dirty="0" smtClean="0"/>
-          </a:p>
-          <a:p>
-            <a:r>
-              <a:rPr lang="fr-CH" dirty="0" smtClean="0"/>
-              <a:t>Exports</a:t>
-            </a:r>
-          </a:p>
-          <a:p>
-            <a:pPr lvl="1"/>
-            <a:r>
-              <a:rPr lang="fr-CH" dirty="0" smtClean="0"/>
-              <a:t>PNG</a:t>
-            </a:r>
-          </a:p>
-          <a:p>
-            <a:pPr lvl="1"/>
-            <a:r>
-              <a:rPr lang="fr-CH" dirty="0" smtClean="0"/>
-              <a:t>PDF</a:t>
-            </a:r>
-          </a:p>
-          <a:p>
-            <a:pPr lvl="1"/>
-            <a:endParaRPr lang="fr-CH" dirty="0"/>
           </a:p>
         </p:txBody>
       </p:sp>
@@ -4061,7 +4549,7 @@
 </p:sld>
 </file>
 
-<file path=ppt/slides/slide8.xml><?xml version="1.0" encoding="utf-8"?>
+<file path=ppt/slides/slide9.xml><?xml version="1.0" encoding="utf-8"?>
 <p:sld xmlns:a="http://schemas.openxmlformats.org/drawingml/2006/main" xmlns:r="http://schemas.openxmlformats.org/officeDocument/2006/relationships" xmlns:p="http://schemas.openxmlformats.org/presentationml/2006/main">
   <p:cSld>
     <p:spTree>
@@ -4164,125 +4652,6 @@
     <p:extLst>
       <p:ext uri="{BB962C8B-B14F-4D97-AF65-F5344CB8AC3E}">
         <p14:creationId xmlns:p14="http://schemas.microsoft.com/office/powerpoint/2010/main" val="190863230"/>
-      </p:ext>
-    </p:extLst>
-  </p:cSld>
-  <p:clrMapOvr>
-    <a:masterClrMapping/>
-  </p:clrMapOvr>
-  <p:timing>
-    <p:tnLst>
-      <p:par>
-        <p:cTn id="1" dur="indefinite" restart="never" nodeType="tmRoot"/>
-      </p:par>
-    </p:tnLst>
-  </p:timing>
-</p:sld>
-</file>
-
-<file path=ppt/slides/slide9.xml><?xml version="1.0" encoding="utf-8"?>
-<p:sld xmlns:a="http://schemas.openxmlformats.org/drawingml/2006/main" xmlns:r="http://schemas.openxmlformats.org/officeDocument/2006/relationships" xmlns:p="http://schemas.openxmlformats.org/presentationml/2006/main">
-  <p:cSld>
-    <p:spTree>
-      <p:nvGrpSpPr>
-        <p:cNvPr id="1" name=""/>
-        <p:cNvGrpSpPr/>
-        <p:nvPr/>
-      </p:nvGrpSpPr>
-      <p:grpSpPr>
-        <a:xfrm>
-          <a:off x="0" y="0"/>
-          <a:ext cx="0" cy="0"/>
-          <a:chOff x="0" y="0"/>
-          <a:chExt cx="0" cy="0"/>
-        </a:xfrm>
-      </p:grpSpPr>
-      <p:sp>
-        <p:nvSpPr>
-          <p:cNvPr id="2" name="Espace réservé du texte 1"/>
-          <p:cNvSpPr>
-            <a:spLocks noGrp="1"/>
-          </p:cNvSpPr>
-          <p:nvPr>
-            <p:ph type="body" sz="quarter" idx="10"/>
-          </p:nvPr>
-        </p:nvSpPr>
-        <p:spPr/>
-        <p:txBody>
-          <a:bodyPr/>
-          <a:lstStyle/>
-          <a:p>
-            <a:r>
-              <a:rPr lang="fr-CH" dirty="0" smtClean="0"/>
-              <a:t>Maquettes IHM</a:t>
-            </a:r>
-            <a:endParaRPr lang="fr-CH" dirty="0"/>
-          </a:p>
-        </p:txBody>
-      </p:sp>
-      <p:sp>
-        <p:nvSpPr>
-          <p:cNvPr id="3" name="Espace réservé du texte 2"/>
-          <p:cNvSpPr>
-            <a:spLocks noGrp="1"/>
-          </p:cNvSpPr>
-          <p:nvPr>
-            <p:ph type="body" sz="quarter" idx="11"/>
-          </p:nvPr>
-        </p:nvSpPr>
-        <p:spPr/>
-        <p:txBody>
-          <a:bodyPr/>
-          <a:lstStyle/>
-          <a:p>
-            <a:r>
-              <a:rPr lang="fr-CH" dirty="0" smtClean="0"/>
-              <a:t>Page d’accueil:</a:t>
-            </a:r>
-          </a:p>
-          <a:p>
-            <a:endParaRPr lang="fr-CH" dirty="0" smtClean="0"/>
-          </a:p>
-          <a:p>
-            <a:pPr lvl="1"/>
-            <a:endParaRPr lang="fr-CH" dirty="0"/>
-          </a:p>
-        </p:txBody>
-      </p:sp>
-      <p:pic>
-        <p:nvPicPr>
-          <p:cNvPr id="5" name="Image 4"/>
-          <p:cNvPicPr>
-            <a:picLocks noChangeAspect="1"/>
-          </p:cNvPicPr>
-          <p:nvPr/>
-        </p:nvPicPr>
-        <p:blipFill>
-          <a:blip r:embed="rId2">
-            <a:extLst>
-              <a:ext uri="{28A0092B-C50C-407E-A947-70E740481C1C}">
-                <a14:useLocalDpi xmlns:a14="http://schemas.microsoft.com/office/drawing/2010/main" val="0"/>
-              </a:ext>
-            </a:extLst>
-          </a:blip>
-          <a:stretch>
-            <a:fillRect/>
-          </a:stretch>
-        </p:blipFill>
-        <p:spPr>
-          <a:xfrm>
-            <a:off x="971600" y="2492896"/>
-            <a:ext cx="6784566" cy="3618435"/>
-          </a:xfrm>
-          <a:prstGeom prst="rect">
-            <a:avLst/>
-          </a:prstGeom>
-        </p:spPr>
-      </p:pic>
-    </p:spTree>
-    <p:extLst>
-      <p:ext uri="{BB962C8B-B14F-4D97-AF65-F5344CB8AC3E}">
-        <p14:creationId xmlns:p14="http://schemas.microsoft.com/office/powerpoint/2010/main" val="455240279"/>
       </p:ext>
     </p:extLst>
   </p:cSld>

--- a/Présentation/PresentationClientsComptes-KlettGutierrezVoirolSchneider.pptx
+++ b/Présentation/PresentationClientsComptes-KlettGutierrezVoirolSchneider.pptx
@@ -2510,9 +2510,10 @@
               <a:t>Gutierrez &amp; </a:t>
             </a:r>
             <a:r>
-              <a:rPr lang="fr-CH" sz="1600" dirty="0"/>
-              <a:t>Schneider Julien </a:t>
-            </a:r>
+              <a:rPr lang="fr-CH" sz="1600" dirty="0" smtClean="0"/>
+              <a:t>Julien Schneider</a:t>
+            </a:r>
+            <a:endParaRPr lang="fr-CH" sz="1600" dirty="0"/>
           </a:p>
         </p:txBody>
       </p:sp>
@@ -2987,6 +2988,37 @@
             <a:endParaRPr lang="en-US" dirty="0" smtClean="0"/>
           </a:p>
           <a:p>
+            <a:pPr lvl="1"/>
+            <a:endParaRPr lang="en-US" dirty="0"/>
+          </a:p>
+          <a:p>
+            <a:r>
+              <a:rPr lang="en-US" dirty="0" smtClean="0"/>
+              <a:t>Difficile de </a:t>
+            </a:r>
+            <a:r>
+              <a:rPr lang="en-US" dirty="0" err="1" smtClean="0"/>
+              <a:t>gamifier</a:t>
+            </a:r>
+            <a:r>
+              <a:rPr lang="en-US" dirty="0" smtClean="0"/>
+              <a:t> </a:t>
+            </a:r>
+            <a:r>
+              <a:rPr lang="en-US" dirty="0" err="1" smtClean="0"/>
+              <a:t>une</a:t>
+            </a:r>
+            <a:r>
+              <a:rPr lang="en-US" dirty="0" smtClean="0"/>
+              <a:t> application </a:t>
+            </a:r>
+            <a:r>
+              <a:rPr lang="en-US" dirty="0" err="1" smtClean="0"/>
+              <a:t>bancaire</a:t>
+            </a:r>
+            <a:endParaRPr lang="en-US" dirty="0" smtClean="0"/>
+          </a:p>
+          <a:p>
             <a:pPr lvl="2"/>
             <a:endParaRPr lang="fr-CH" dirty="0"/>
           </a:p>
@@ -3202,11 +3234,7 @@
             <a:pPr lvl="1"/>
             <a:r>
               <a:rPr lang="fr-CH" dirty="0" smtClean="0"/>
-              <a:t>Création </a:t>
-            </a:r>
-            <a:r>
-              <a:rPr lang="fr-CH" dirty="0" smtClean="0"/>
-              <a:t>de l’interface de l’application</a:t>
+              <a:t>Création de l’interface de l’application</a:t>
             </a:r>
           </a:p>
           <a:p>
@@ -3818,15 +3846,7 @@
                 <a:ea typeface="Tahoma" panose="020B0604030504040204" pitchFamily="34" charset="0"/>
                 <a:cs typeface="Tahoma" panose="020B0604030504040204" pitchFamily="34" charset="0"/>
               </a:rPr>
-              <a:t>Gestion des transactions </a:t>
-            </a:r>
-            <a:r>
-              <a:rPr lang="fr-CH" sz="2000" dirty="0" smtClean="0">
-                <a:latin typeface="Tahoma" panose="020B0604030504040204" pitchFamily="34" charset="0"/>
-                <a:ea typeface="Tahoma" panose="020B0604030504040204" pitchFamily="34" charset="0"/>
-                <a:cs typeface="Tahoma" panose="020B0604030504040204" pitchFamily="34" charset="0"/>
-              </a:rPr>
-              <a:t>bancaires</a:t>
+              <a:t>Gestion des transactions bancaires</a:t>
             </a:r>
           </a:p>
           <a:p>
@@ -3883,11 +3903,7 @@
           <a:p>
             <a:r>
               <a:rPr lang="fr-CH" sz="2400" dirty="0" smtClean="0"/>
-              <a:t>Connexion à la base de données </a:t>
-            </a:r>
-            <a:r>
-              <a:rPr lang="fr-CH" sz="2400" dirty="0" smtClean="0"/>
-              <a:t>ens2</a:t>
+              <a:t>Connexion à la base de données ens2</a:t>
             </a:r>
           </a:p>
           <a:p>
@@ -4031,6 +4047,28 @@
               <a:rPr lang="en-US" dirty="0" smtClean="0"/>
               <a:t>Ajax</a:t>
             </a:r>
+          </a:p>
+          <a:p>
+            <a:pPr lvl="1">
+              <a:buFont typeface="Arial" panose="020B0604020202020204" pitchFamily="34" charset="0"/>
+              <a:buChar char="•"/>
+            </a:pPr>
+            <a:r>
+              <a:rPr lang="en-US" sz="2000" dirty="0" err="1" smtClean="0">
+                <a:latin typeface="Tahoma" panose="020B0604030504040204" pitchFamily="34" charset="0"/>
+                <a:ea typeface="Tahoma" panose="020B0604030504040204" pitchFamily="34" charset="0"/>
+                <a:cs typeface="Tahoma" panose="020B0604030504040204" pitchFamily="34" charset="0"/>
+              </a:rPr>
+              <a:t>Librairie</a:t>
+            </a:r>
+            <a:r>
+              <a:rPr lang="en-US" sz="2000" dirty="0" smtClean="0">
+                <a:latin typeface="Tahoma" panose="020B0604030504040204" pitchFamily="34" charset="0"/>
+                <a:ea typeface="Tahoma" panose="020B0604030504040204" pitchFamily="34" charset="0"/>
+                <a:cs typeface="Tahoma" panose="020B0604030504040204" pitchFamily="34" charset="0"/>
+              </a:rPr>
+              <a:t> Chart.js</a:t>
+            </a:r>
             <a:endParaRPr lang="fr-CH" sz="2000" dirty="0" smtClean="0">
               <a:latin typeface="Tahoma" panose="020B0604030504040204" pitchFamily="34" charset="0"/>
               <a:ea typeface="Tahoma" panose="020B0604030504040204" pitchFamily="34" charset="0"/>
@@ -4062,8 +4100,8 @@
         </p:blipFill>
         <p:spPr bwMode="auto">
           <a:xfrm>
-            <a:off x="3639678" y="4427202"/>
-            <a:ext cx="1220354" cy="1220354"/>
+            <a:off x="2987824" y="4675218"/>
+            <a:ext cx="932322" cy="932322"/>
           </a:xfrm>
           <a:prstGeom prst="rect">
             <a:avLst/>
@@ -4103,8 +4141,8 @@
         </p:blipFill>
         <p:spPr bwMode="auto">
           <a:xfrm>
-            <a:off x="539552" y="4468375"/>
-            <a:ext cx="2466611" cy="1138436"/>
+            <a:off x="539553" y="4797152"/>
+            <a:ext cx="2066296" cy="953675"/>
           </a:xfrm>
           <a:prstGeom prst="rect">
             <a:avLst/>
@@ -4144,8 +4182,8 @@
         </p:blipFill>
         <p:spPr bwMode="auto">
           <a:xfrm>
-            <a:off x="5652120" y="4484812"/>
-            <a:ext cx="2304256" cy="1105133"/>
+            <a:off x="4302121" y="4694802"/>
+            <a:ext cx="1871252" cy="897462"/>
           </a:xfrm>
           <a:prstGeom prst="rect">
             <a:avLst/>
@@ -4160,6 +4198,30 @@
               </a14:hiddenFill>
             </a:ext>
           </a:extLst>
+        </p:spPr>
+      </p:pic>
+      <p:pic>
+        <p:nvPicPr>
+          <p:cNvPr id="4" name="Picture 3"/>
+          <p:cNvPicPr>
+            <a:picLocks noChangeAspect="1"/>
+          </p:cNvPicPr>
+          <p:nvPr/>
+        </p:nvPicPr>
+        <p:blipFill>
+          <a:blip r:embed="rId5"/>
+          <a:stretch>
+            <a:fillRect/>
+          </a:stretch>
+        </p:blipFill>
+        <p:spPr>
+          <a:xfrm>
+            <a:off x="6660232" y="4365104"/>
+            <a:ext cx="1330497" cy="1525544"/>
+          </a:xfrm>
+          <a:prstGeom prst="rect">
+            <a:avLst/>
+          </a:prstGeom>
         </p:spPr>
       </p:pic>
     </p:spTree>
@@ -4216,7 +4278,11 @@
           <a:p>
             <a:r>
               <a:rPr lang="fr-CH" dirty="0" smtClean="0"/>
-              <a:t>Structure du Code</a:t>
+              <a:t>Structure du </a:t>
+            </a:r>
+            <a:r>
+              <a:rPr lang="fr-CH" dirty="0" smtClean="0"/>
+              <a:t>code</a:t>
             </a:r>
             <a:endParaRPr lang="fr-CH" dirty="0"/>
           </a:p>

--- a/Présentation/PresentationClientsComptes-KlettGutierrezVoirolSchneider.pptx
+++ b/Présentation/PresentationClientsComptes-KlettGutierrezVoirolSchneider.pptx
@@ -5,7 +5,7 @@
     <p:sldMasterId id="2147483648" r:id="rId1"/>
   </p:sldMasterIdLst>
   <p:notesMasterIdLst>
-    <p:notesMasterId r:id="rId16"/>
+    <p:notesMasterId r:id="rId24"/>
   </p:notesMasterIdLst>
   <p:sldIdLst>
     <p:sldId id="256" r:id="rId2"/>
@@ -18,15 +18,23 @@
     <p:sldId id="261" r:id="rId9"/>
     <p:sldId id="262" r:id="rId10"/>
     <p:sldId id="263" r:id="rId11"/>
-    <p:sldId id="265" r:id="rId12"/>
-    <p:sldId id="266" r:id="rId13"/>
-    <p:sldId id="267" r:id="rId14"/>
-    <p:sldId id="260" r:id="rId15"/>
+    <p:sldId id="271" r:id="rId12"/>
+    <p:sldId id="272" r:id="rId13"/>
+    <p:sldId id="273" r:id="rId14"/>
+    <p:sldId id="275" r:id="rId15"/>
+    <p:sldId id="276" r:id="rId16"/>
+    <p:sldId id="277" r:id="rId17"/>
+    <p:sldId id="278" r:id="rId18"/>
+    <p:sldId id="274" r:id="rId19"/>
+    <p:sldId id="265" r:id="rId20"/>
+    <p:sldId id="266" r:id="rId21"/>
+    <p:sldId id="267" r:id="rId22"/>
+    <p:sldId id="260" r:id="rId23"/>
   </p:sldIdLst>
   <p:sldSz cx="9144000" cy="6858000" type="screen4x3"/>
   <p:notesSz cx="6858000" cy="9144000"/>
   <p:custDataLst>
-    <p:tags r:id="rId17"/>
+    <p:tags r:id="rId25"/>
   </p:custDataLst>
   <p:defaultTextStyle>
     <a:defPPr>
@@ -224,7 +232,7 @@
           <a:p>
             <a:fld id="{67CB570D-21AD-4F3D-82F5-8A96395485A5}" type="datetimeFigureOut">
               <a:rPr lang="fr-CH" smtClean="0"/>
-              <a:t>26.04.2016</a:t>
+              <a:t>27.04.2016</a:t>
             </a:fld>
             <a:endParaRPr lang="fr-CH"/>
           </a:p>
@@ -383,7 +391,7 @@
           <a:p>
             <a:fld id="{8804BC45-8A4C-4708-A213-37DE77044581}" type="slidenum">
               <a:rPr lang="fr-CH" smtClean="0"/>
-              <a:t>‹#›</a:t>
+              <a:t>‹N°›</a:t>
             </a:fld>
             <a:endParaRPr lang="fr-CH"/>
           </a:p>
@@ -2507,11 +2515,7 @@
             </a:r>
             <a:r>
               <a:rPr lang="fr-CH" sz="1600" dirty="0" smtClean="0"/>
-              <a:t>Gutierrez &amp; </a:t>
-            </a:r>
-            <a:r>
-              <a:rPr lang="fr-CH" sz="1600" dirty="0" smtClean="0"/>
-              <a:t>Julien Schneider</a:t>
+              <a:t>Gutierrez &amp; Julien Schneider</a:t>
             </a:r>
             <a:endParaRPr lang="fr-CH" sz="1600" dirty="0"/>
           </a:p>
@@ -2919,6 +2923,827 @@
           <a:p>
             <a:r>
               <a:rPr lang="fr-CH" dirty="0" smtClean="0"/>
+              <a:t>Ergonomie (Bastien et Scapin)</a:t>
+            </a:r>
+            <a:endParaRPr lang="fr-CH" dirty="0"/>
+          </a:p>
+        </p:txBody>
+      </p:sp>
+      <p:sp>
+        <p:nvSpPr>
+          <p:cNvPr id="3" name="Espace réservé du texte 2"/>
+          <p:cNvSpPr>
+            <a:spLocks noGrp="1"/>
+          </p:cNvSpPr>
+          <p:nvPr>
+            <p:ph type="body" sz="quarter" idx="11"/>
+          </p:nvPr>
+        </p:nvSpPr>
+        <p:spPr/>
+        <p:txBody>
+          <a:bodyPr/>
+          <a:lstStyle/>
+          <a:p>
+            <a:r>
+              <a:rPr lang="fr-CH" dirty="0" smtClean="0"/>
+              <a:t>Guidage</a:t>
+            </a:r>
+          </a:p>
+          <a:p>
+            <a:endParaRPr lang="fr-CH" dirty="0"/>
+          </a:p>
+        </p:txBody>
+      </p:sp>
+      <p:pic>
+        <p:nvPicPr>
+          <p:cNvPr id="4" name="Image 3"/>
+          <p:cNvPicPr/>
+          <p:nvPr/>
+        </p:nvPicPr>
+        <p:blipFill>
+          <a:blip r:embed="rId2"/>
+          <a:stretch>
+            <a:fillRect/>
+          </a:stretch>
+        </p:blipFill>
+        <p:spPr>
+          <a:xfrm>
+            <a:off x="763270" y="2758650"/>
+            <a:ext cx="5320898" cy="3190630"/>
+          </a:xfrm>
+          <a:prstGeom prst="rect">
+            <a:avLst/>
+          </a:prstGeom>
+        </p:spPr>
+      </p:pic>
+    </p:spTree>
+    <p:extLst>
+      <p:ext uri="{BB962C8B-B14F-4D97-AF65-F5344CB8AC3E}">
+        <p14:creationId xmlns:p14="http://schemas.microsoft.com/office/powerpoint/2010/main" val="4293172127"/>
+      </p:ext>
+    </p:extLst>
+  </p:cSld>
+  <p:clrMapOvr>
+    <a:masterClrMapping/>
+  </p:clrMapOvr>
+</p:sld>
+</file>
+
+<file path=ppt/slides/slide12.xml><?xml version="1.0" encoding="utf-8"?>
+<p:sld xmlns:a="http://schemas.openxmlformats.org/drawingml/2006/main" xmlns:r="http://schemas.openxmlformats.org/officeDocument/2006/relationships" xmlns:p="http://schemas.openxmlformats.org/presentationml/2006/main">
+  <p:cSld>
+    <p:spTree>
+      <p:nvGrpSpPr>
+        <p:cNvPr id="1" name=""/>
+        <p:cNvGrpSpPr/>
+        <p:nvPr/>
+      </p:nvGrpSpPr>
+      <p:grpSpPr>
+        <a:xfrm>
+          <a:off x="0" y="0"/>
+          <a:ext cx="0" cy="0"/>
+          <a:chOff x="0" y="0"/>
+          <a:chExt cx="0" cy="0"/>
+        </a:xfrm>
+      </p:grpSpPr>
+      <p:sp>
+        <p:nvSpPr>
+          <p:cNvPr id="2" name="Espace réservé du texte 1"/>
+          <p:cNvSpPr>
+            <a:spLocks noGrp="1"/>
+          </p:cNvSpPr>
+          <p:nvPr>
+            <p:ph type="body" sz="quarter" idx="10"/>
+          </p:nvPr>
+        </p:nvSpPr>
+        <p:spPr/>
+        <p:txBody>
+          <a:bodyPr/>
+          <a:lstStyle/>
+          <a:p>
+            <a:r>
+              <a:rPr lang="fr-CH" dirty="0"/>
+              <a:t>Ergonomie (Bastien et Scapin</a:t>
+            </a:r>
+            <a:r>
+              <a:rPr lang="fr-CH" dirty="0" smtClean="0"/>
+              <a:t>)</a:t>
+            </a:r>
+            <a:endParaRPr lang="fr-CH" dirty="0"/>
+          </a:p>
+        </p:txBody>
+      </p:sp>
+      <p:sp>
+        <p:nvSpPr>
+          <p:cNvPr id="3" name="Espace réservé du texte 2"/>
+          <p:cNvSpPr>
+            <a:spLocks noGrp="1"/>
+          </p:cNvSpPr>
+          <p:nvPr>
+            <p:ph type="body" sz="quarter" idx="11"/>
+          </p:nvPr>
+        </p:nvSpPr>
+        <p:spPr/>
+        <p:txBody>
+          <a:bodyPr/>
+          <a:lstStyle/>
+          <a:p>
+            <a:r>
+              <a:rPr lang="fr-CH" dirty="0" smtClean="0"/>
+              <a:t>Charge de travail</a:t>
+            </a:r>
+          </a:p>
+          <a:p>
+            <a:endParaRPr lang="fr-CH" dirty="0"/>
+          </a:p>
+        </p:txBody>
+      </p:sp>
+      <p:pic>
+        <p:nvPicPr>
+          <p:cNvPr id="4" name="Image 3"/>
+          <p:cNvPicPr/>
+          <p:nvPr/>
+        </p:nvPicPr>
+        <p:blipFill>
+          <a:blip r:embed="rId2"/>
+          <a:stretch>
+            <a:fillRect/>
+          </a:stretch>
+        </p:blipFill>
+        <p:spPr>
+          <a:xfrm>
+            <a:off x="827584" y="2852936"/>
+            <a:ext cx="6552728" cy="2952328"/>
+          </a:xfrm>
+          <a:prstGeom prst="rect">
+            <a:avLst/>
+          </a:prstGeom>
+        </p:spPr>
+      </p:pic>
+    </p:spTree>
+    <p:extLst>
+      <p:ext uri="{BB962C8B-B14F-4D97-AF65-F5344CB8AC3E}">
+        <p14:creationId xmlns:p14="http://schemas.microsoft.com/office/powerpoint/2010/main" val="2254602438"/>
+      </p:ext>
+    </p:extLst>
+  </p:cSld>
+  <p:clrMapOvr>
+    <a:masterClrMapping/>
+  </p:clrMapOvr>
+</p:sld>
+</file>
+
+<file path=ppt/slides/slide13.xml><?xml version="1.0" encoding="utf-8"?>
+<p:sld xmlns:a="http://schemas.openxmlformats.org/drawingml/2006/main" xmlns:r="http://schemas.openxmlformats.org/officeDocument/2006/relationships" xmlns:p="http://schemas.openxmlformats.org/presentationml/2006/main">
+  <p:cSld>
+    <p:spTree>
+      <p:nvGrpSpPr>
+        <p:cNvPr id="1" name=""/>
+        <p:cNvGrpSpPr/>
+        <p:nvPr/>
+      </p:nvGrpSpPr>
+      <p:grpSpPr>
+        <a:xfrm>
+          <a:off x="0" y="0"/>
+          <a:ext cx="0" cy="0"/>
+          <a:chOff x="0" y="0"/>
+          <a:chExt cx="0" cy="0"/>
+        </a:xfrm>
+      </p:grpSpPr>
+      <p:sp>
+        <p:nvSpPr>
+          <p:cNvPr id="2" name="Espace réservé du texte 1"/>
+          <p:cNvSpPr>
+            <a:spLocks noGrp="1"/>
+          </p:cNvSpPr>
+          <p:nvPr>
+            <p:ph type="body" sz="quarter" idx="10"/>
+          </p:nvPr>
+        </p:nvSpPr>
+        <p:spPr/>
+        <p:txBody>
+          <a:bodyPr/>
+          <a:lstStyle/>
+          <a:p>
+            <a:r>
+              <a:rPr lang="fr-CH" dirty="0"/>
+              <a:t>Ergonomie (Bastien et Scapin</a:t>
+            </a:r>
+            <a:r>
+              <a:rPr lang="fr-CH" dirty="0" smtClean="0"/>
+              <a:t>)</a:t>
+            </a:r>
+            <a:endParaRPr lang="fr-CH" dirty="0"/>
+          </a:p>
+        </p:txBody>
+      </p:sp>
+      <p:sp>
+        <p:nvSpPr>
+          <p:cNvPr id="3" name="Espace réservé du texte 2"/>
+          <p:cNvSpPr>
+            <a:spLocks noGrp="1"/>
+          </p:cNvSpPr>
+          <p:nvPr>
+            <p:ph type="body" sz="quarter" idx="11"/>
+          </p:nvPr>
+        </p:nvSpPr>
+        <p:spPr/>
+        <p:txBody>
+          <a:bodyPr/>
+          <a:lstStyle/>
+          <a:p>
+            <a:r>
+              <a:rPr lang="fr-CH" dirty="0" smtClean="0"/>
+              <a:t>Contrôle explicite</a:t>
+            </a:r>
+          </a:p>
+          <a:p>
+            <a:endParaRPr lang="fr-CH" dirty="0"/>
+          </a:p>
+        </p:txBody>
+      </p:sp>
+      <p:pic>
+        <p:nvPicPr>
+          <p:cNvPr id="4" name="Image 3"/>
+          <p:cNvPicPr/>
+          <p:nvPr/>
+        </p:nvPicPr>
+        <p:blipFill>
+          <a:blip r:embed="rId2"/>
+          <a:stretch>
+            <a:fillRect/>
+          </a:stretch>
+        </p:blipFill>
+        <p:spPr>
+          <a:xfrm>
+            <a:off x="1115616" y="2780928"/>
+            <a:ext cx="4896544" cy="2448272"/>
+          </a:xfrm>
+          <a:prstGeom prst="rect">
+            <a:avLst/>
+          </a:prstGeom>
+        </p:spPr>
+      </p:pic>
+    </p:spTree>
+    <p:extLst>
+      <p:ext uri="{BB962C8B-B14F-4D97-AF65-F5344CB8AC3E}">
+        <p14:creationId xmlns:p14="http://schemas.microsoft.com/office/powerpoint/2010/main" val="2267791002"/>
+      </p:ext>
+    </p:extLst>
+  </p:cSld>
+  <p:clrMapOvr>
+    <a:masterClrMapping/>
+  </p:clrMapOvr>
+</p:sld>
+</file>
+
+<file path=ppt/slides/slide14.xml><?xml version="1.0" encoding="utf-8"?>
+<p:sld xmlns:a="http://schemas.openxmlformats.org/drawingml/2006/main" xmlns:r="http://schemas.openxmlformats.org/officeDocument/2006/relationships" xmlns:p="http://schemas.openxmlformats.org/presentationml/2006/main">
+  <p:cSld>
+    <p:spTree>
+      <p:nvGrpSpPr>
+        <p:cNvPr id="1" name=""/>
+        <p:cNvGrpSpPr/>
+        <p:nvPr/>
+      </p:nvGrpSpPr>
+      <p:grpSpPr>
+        <a:xfrm>
+          <a:off x="0" y="0"/>
+          <a:ext cx="0" cy="0"/>
+          <a:chOff x="0" y="0"/>
+          <a:chExt cx="0" cy="0"/>
+        </a:xfrm>
+      </p:grpSpPr>
+      <p:sp>
+        <p:nvSpPr>
+          <p:cNvPr id="2" name="Espace réservé du texte 1"/>
+          <p:cNvSpPr>
+            <a:spLocks noGrp="1"/>
+          </p:cNvSpPr>
+          <p:nvPr>
+            <p:ph type="body" sz="quarter" idx="10"/>
+          </p:nvPr>
+        </p:nvSpPr>
+        <p:spPr/>
+        <p:txBody>
+          <a:bodyPr/>
+          <a:lstStyle/>
+          <a:p>
+            <a:r>
+              <a:rPr lang="fr-CH" dirty="0"/>
+              <a:t>Ergonomie (Bastien et Scapin</a:t>
+            </a:r>
+            <a:r>
+              <a:rPr lang="fr-CH" dirty="0" smtClean="0"/>
+              <a:t>)	</a:t>
+            </a:r>
+            <a:endParaRPr lang="fr-CH" dirty="0"/>
+          </a:p>
+        </p:txBody>
+      </p:sp>
+      <p:sp>
+        <p:nvSpPr>
+          <p:cNvPr id="3" name="Espace réservé du texte 2"/>
+          <p:cNvSpPr>
+            <a:spLocks noGrp="1"/>
+          </p:cNvSpPr>
+          <p:nvPr>
+            <p:ph type="body" sz="quarter" idx="11"/>
+          </p:nvPr>
+        </p:nvSpPr>
+        <p:spPr/>
+        <p:txBody>
+          <a:bodyPr/>
+          <a:lstStyle/>
+          <a:p>
+            <a:r>
+              <a:rPr lang="fr-CH" dirty="0" smtClean="0"/>
+              <a:t>Adaptabilité</a:t>
+            </a:r>
+          </a:p>
+          <a:p>
+            <a:pPr lvl="1"/>
+            <a:r>
+              <a:rPr lang="fr-CH" dirty="0" smtClean="0"/>
+              <a:t>Le système de transaction peut être fait de 2 manières différentes:</a:t>
+            </a:r>
+          </a:p>
+          <a:p>
+            <a:pPr lvl="2"/>
+            <a:r>
+              <a:rPr lang="fr-CH" dirty="0" smtClean="0"/>
+              <a:t>Via le menu des transferts</a:t>
+            </a:r>
+          </a:p>
+          <a:p>
+            <a:pPr lvl="2"/>
+            <a:r>
+              <a:rPr lang="fr-CH" dirty="0" smtClean="0"/>
+              <a:t>Depuis la liste des comptes d’un utilisateur</a:t>
+            </a:r>
+            <a:endParaRPr lang="fr-CH" dirty="0"/>
+          </a:p>
+        </p:txBody>
+      </p:sp>
+    </p:spTree>
+    <p:extLst>
+      <p:ext uri="{BB962C8B-B14F-4D97-AF65-F5344CB8AC3E}">
+        <p14:creationId xmlns:p14="http://schemas.microsoft.com/office/powerpoint/2010/main" val="2684012471"/>
+      </p:ext>
+    </p:extLst>
+  </p:cSld>
+  <p:clrMapOvr>
+    <a:masterClrMapping/>
+  </p:clrMapOvr>
+</p:sld>
+</file>
+
+<file path=ppt/slides/slide15.xml><?xml version="1.0" encoding="utf-8"?>
+<p:sld xmlns:a="http://schemas.openxmlformats.org/drawingml/2006/main" xmlns:r="http://schemas.openxmlformats.org/officeDocument/2006/relationships" xmlns:p="http://schemas.openxmlformats.org/presentationml/2006/main">
+  <p:cSld>
+    <p:spTree>
+      <p:nvGrpSpPr>
+        <p:cNvPr id="1" name=""/>
+        <p:cNvGrpSpPr/>
+        <p:nvPr/>
+      </p:nvGrpSpPr>
+      <p:grpSpPr>
+        <a:xfrm>
+          <a:off x="0" y="0"/>
+          <a:ext cx="0" cy="0"/>
+          <a:chOff x="0" y="0"/>
+          <a:chExt cx="0" cy="0"/>
+        </a:xfrm>
+      </p:grpSpPr>
+      <p:sp>
+        <p:nvSpPr>
+          <p:cNvPr id="2" name="Espace réservé du texte 1"/>
+          <p:cNvSpPr>
+            <a:spLocks noGrp="1"/>
+          </p:cNvSpPr>
+          <p:nvPr>
+            <p:ph type="body" sz="quarter" idx="10"/>
+          </p:nvPr>
+        </p:nvSpPr>
+        <p:spPr/>
+        <p:txBody>
+          <a:bodyPr/>
+          <a:lstStyle/>
+          <a:p>
+            <a:r>
+              <a:rPr lang="fr-CH" dirty="0"/>
+              <a:t>Ergonomie (Bastien et Scapin</a:t>
+            </a:r>
+            <a:r>
+              <a:rPr lang="fr-CH" dirty="0" smtClean="0"/>
+              <a:t>)</a:t>
+            </a:r>
+            <a:endParaRPr lang="fr-CH" dirty="0"/>
+          </a:p>
+        </p:txBody>
+      </p:sp>
+      <p:sp>
+        <p:nvSpPr>
+          <p:cNvPr id="3" name="Espace réservé du texte 2"/>
+          <p:cNvSpPr>
+            <a:spLocks noGrp="1"/>
+          </p:cNvSpPr>
+          <p:nvPr>
+            <p:ph type="body" sz="quarter" idx="11"/>
+          </p:nvPr>
+        </p:nvSpPr>
+        <p:spPr/>
+        <p:txBody>
+          <a:bodyPr/>
+          <a:lstStyle/>
+          <a:p>
+            <a:r>
+              <a:rPr lang="fr-CH" dirty="0" smtClean="0"/>
+              <a:t>Gestion des erreurs</a:t>
+            </a:r>
+          </a:p>
+          <a:p>
+            <a:endParaRPr lang="fr-CH" dirty="0"/>
+          </a:p>
+        </p:txBody>
+      </p:sp>
+      <p:pic>
+        <p:nvPicPr>
+          <p:cNvPr id="4" name="Image 3"/>
+          <p:cNvPicPr/>
+          <p:nvPr/>
+        </p:nvPicPr>
+        <p:blipFill>
+          <a:blip r:embed="rId2"/>
+          <a:stretch>
+            <a:fillRect/>
+          </a:stretch>
+        </p:blipFill>
+        <p:spPr>
+          <a:xfrm>
+            <a:off x="827584" y="2708920"/>
+            <a:ext cx="7272808" cy="3240360"/>
+          </a:xfrm>
+          <a:prstGeom prst="rect">
+            <a:avLst/>
+          </a:prstGeom>
+        </p:spPr>
+      </p:pic>
+    </p:spTree>
+    <p:extLst>
+      <p:ext uri="{BB962C8B-B14F-4D97-AF65-F5344CB8AC3E}">
+        <p14:creationId xmlns:p14="http://schemas.microsoft.com/office/powerpoint/2010/main" val="830777716"/>
+      </p:ext>
+    </p:extLst>
+  </p:cSld>
+  <p:clrMapOvr>
+    <a:masterClrMapping/>
+  </p:clrMapOvr>
+</p:sld>
+</file>
+
+<file path=ppt/slides/slide16.xml><?xml version="1.0" encoding="utf-8"?>
+<p:sld xmlns:a="http://schemas.openxmlformats.org/drawingml/2006/main" xmlns:r="http://schemas.openxmlformats.org/officeDocument/2006/relationships" xmlns:p="http://schemas.openxmlformats.org/presentationml/2006/main">
+  <p:cSld>
+    <p:spTree>
+      <p:nvGrpSpPr>
+        <p:cNvPr id="1" name=""/>
+        <p:cNvGrpSpPr/>
+        <p:nvPr/>
+      </p:nvGrpSpPr>
+      <p:grpSpPr>
+        <a:xfrm>
+          <a:off x="0" y="0"/>
+          <a:ext cx="0" cy="0"/>
+          <a:chOff x="0" y="0"/>
+          <a:chExt cx="0" cy="0"/>
+        </a:xfrm>
+      </p:grpSpPr>
+      <p:sp>
+        <p:nvSpPr>
+          <p:cNvPr id="2" name="Espace réservé du texte 1"/>
+          <p:cNvSpPr>
+            <a:spLocks noGrp="1"/>
+          </p:cNvSpPr>
+          <p:nvPr>
+            <p:ph type="body" sz="quarter" idx="10"/>
+          </p:nvPr>
+        </p:nvSpPr>
+        <p:spPr/>
+        <p:txBody>
+          <a:bodyPr/>
+          <a:lstStyle/>
+          <a:p>
+            <a:r>
+              <a:rPr lang="fr-CH" dirty="0"/>
+              <a:t>Ergonomie (Bastien et Scapin</a:t>
+            </a:r>
+            <a:r>
+              <a:rPr lang="fr-CH" dirty="0" smtClean="0"/>
+              <a:t>)</a:t>
+            </a:r>
+            <a:endParaRPr lang="fr-CH" dirty="0"/>
+          </a:p>
+        </p:txBody>
+      </p:sp>
+      <p:sp>
+        <p:nvSpPr>
+          <p:cNvPr id="3" name="Espace réservé du texte 2"/>
+          <p:cNvSpPr>
+            <a:spLocks noGrp="1"/>
+          </p:cNvSpPr>
+          <p:nvPr>
+            <p:ph type="body" sz="quarter" idx="11"/>
+          </p:nvPr>
+        </p:nvSpPr>
+        <p:spPr/>
+        <p:txBody>
+          <a:bodyPr/>
+          <a:lstStyle/>
+          <a:p>
+            <a:r>
+              <a:rPr lang="fr-CH" dirty="0" smtClean="0"/>
+              <a:t>Homogénéité/Cohérence</a:t>
+            </a:r>
+          </a:p>
+          <a:p>
+            <a:endParaRPr lang="fr-CH" dirty="0"/>
+          </a:p>
+        </p:txBody>
+      </p:sp>
+      <p:pic>
+        <p:nvPicPr>
+          <p:cNvPr id="5" name="Image 4"/>
+          <p:cNvPicPr>
+            <a:picLocks noChangeAspect="1"/>
+          </p:cNvPicPr>
+          <p:nvPr/>
+        </p:nvPicPr>
+        <p:blipFill>
+          <a:blip r:embed="rId2"/>
+          <a:stretch>
+            <a:fillRect/>
+          </a:stretch>
+        </p:blipFill>
+        <p:spPr>
+          <a:xfrm>
+            <a:off x="827584" y="2492896"/>
+            <a:ext cx="6715497" cy="3573867"/>
+          </a:xfrm>
+          <a:prstGeom prst="rect">
+            <a:avLst/>
+          </a:prstGeom>
+        </p:spPr>
+      </p:pic>
+    </p:spTree>
+    <p:extLst>
+      <p:ext uri="{BB962C8B-B14F-4D97-AF65-F5344CB8AC3E}">
+        <p14:creationId xmlns:p14="http://schemas.microsoft.com/office/powerpoint/2010/main" val="2308938509"/>
+      </p:ext>
+    </p:extLst>
+  </p:cSld>
+  <p:clrMapOvr>
+    <a:masterClrMapping/>
+  </p:clrMapOvr>
+</p:sld>
+</file>
+
+<file path=ppt/slides/slide17.xml><?xml version="1.0" encoding="utf-8"?>
+<p:sld xmlns:a="http://schemas.openxmlformats.org/drawingml/2006/main" xmlns:r="http://schemas.openxmlformats.org/officeDocument/2006/relationships" xmlns:p="http://schemas.openxmlformats.org/presentationml/2006/main">
+  <p:cSld>
+    <p:spTree>
+      <p:nvGrpSpPr>
+        <p:cNvPr id="1" name=""/>
+        <p:cNvGrpSpPr/>
+        <p:nvPr/>
+      </p:nvGrpSpPr>
+      <p:grpSpPr>
+        <a:xfrm>
+          <a:off x="0" y="0"/>
+          <a:ext cx="0" cy="0"/>
+          <a:chOff x="0" y="0"/>
+          <a:chExt cx="0" cy="0"/>
+        </a:xfrm>
+      </p:grpSpPr>
+      <p:sp>
+        <p:nvSpPr>
+          <p:cNvPr id="2" name="Espace réservé du texte 1"/>
+          <p:cNvSpPr>
+            <a:spLocks noGrp="1"/>
+          </p:cNvSpPr>
+          <p:nvPr>
+            <p:ph type="body" sz="quarter" idx="10"/>
+          </p:nvPr>
+        </p:nvSpPr>
+        <p:spPr/>
+        <p:txBody>
+          <a:bodyPr/>
+          <a:lstStyle/>
+          <a:p>
+            <a:r>
+              <a:rPr lang="fr-CH" dirty="0"/>
+              <a:t>Ergonomie (Bastien et Scapin</a:t>
+            </a:r>
+            <a:r>
+              <a:rPr lang="fr-CH" dirty="0" smtClean="0"/>
+              <a:t>)</a:t>
+            </a:r>
+            <a:endParaRPr lang="fr-CH" dirty="0"/>
+          </a:p>
+        </p:txBody>
+      </p:sp>
+      <p:sp>
+        <p:nvSpPr>
+          <p:cNvPr id="3" name="Espace réservé du texte 2"/>
+          <p:cNvSpPr>
+            <a:spLocks noGrp="1"/>
+          </p:cNvSpPr>
+          <p:nvPr>
+            <p:ph type="body" sz="quarter" idx="11"/>
+          </p:nvPr>
+        </p:nvSpPr>
+        <p:spPr/>
+        <p:txBody>
+          <a:bodyPr/>
+          <a:lstStyle/>
+          <a:p>
+            <a:r>
+              <a:rPr lang="fr-CH" dirty="0"/>
+              <a:t>Signifiance des codes et </a:t>
+            </a:r>
+            <a:r>
+              <a:rPr lang="fr-CH" dirty="0" smtClean="0"/>
+              <a:t>dénominations</a:t>
+            </a:r>
+          </a:p>
+          <a:p>
+            <a:endParaRPr lang="fr-CH" dirty="0"/>
+          </a:p>
+        </p:txBody>
+      </p:sp>
+      <p:pic>
+        <p:nvPicPr>
+          <p:cNvPr id="4" name="Image 3"/>
+          <p:cNvPicPr/>
+          <p:nvPr/>
+        </p:nvPicPr>
+        <p:blipFill>
+          <a:blip r:embed="rId2"/>
+          <a:stretch>
+            <a:fillRect/>
+          </a:stretch>
+        </p:blipFill>
+        <p:spPr>
+          <a:xfrm>
+            <a:off x="827584" y="2780928"/>
+            <a:ext cx="6264696" cy="2664296"/>
+          </a:xfrm>
+          <a:prstGeom prst="rect">
+            <a:avLst/>
+          </a:prstGeom>
+        </p:spPr>
+      </p:pic>
+    </p:spTree>
+    <p:extLst>
+      <p:ext uri="{BB962C8B-B14F-4D97-AF65-F5344CB8AC3E}">
+        <p14:creationId xmlns:p14="http://schemas.microsoft.com/office/powerpoint/2010/main" val="386613177"/>
+      </p:ext>
+    </p:extLst>
+  </p:cSld>
+  <p:clrMapOvr>
+    <a:masterClrMapping/>
+  </p:clrMapOvr>
+</p:sld>
+</file>
+
+<file path=ppt/slides/slide18.xml><?xml version="1.0" encoding="utf-8"?>
+<p:sld xmlns:a="http://schemas.openxmlformats.org/drawingml/2006/main" xmlns:r="http://schemas.openxmlformats.org/officeDocument/2006/relationships" xmlns:p="http://schemas.openxmlformats.org/presentationml/2006/main">
+  <p:cSld>
+    <p:spTree>
+      <p:nvGrpSpPr>
+        <p:cNvPr id="1" name=""/>
+        <p:cNvGrpSpPr/>
+        <p:nvPr/>
+      </p:nvGrpSpPr>
+      <p:grpSpPr>
+        <a:xfrm>
+          <a:off x="0" y="0"/>
+          <a:ext cx="0" cy="0"/>
+          <a:chOff x="0" y="0"/>
+          <a:chExt cx="0" cy="0"/>
+        </a:xfrm>
+      </p:grpSpPr>
+      <p:sp>
+        <p:nvSpPr>
+          <p:cNvPr id="2" name="Espace réservé du texte 1"/>
+          <p:cNvSpPr>
+            <a:spLocks noGrp="1"/>
+          </p:cNvSpPr>
+          <p:nvPr>
+            <p:ph type="body" sz="quarter" idx="10"/>
+          </p:nvPr>
+        </p:nvSpPr>
+        <p:spPr/>
+        <p:txBody>
+          <a:bodyPr/>
+          <a:lstStyle/>
+          <a:p>
+            <a:r>
+              <a:rPr lang="fr-CH" dirty="0"/>
+              <a:t>Ergonomie (Bastien et Scapin</a:t>
+            </a:r>
+            <a:r>
+              <a:rPr lang="fr-CH" dirty="0" smtClean="0"/>
+              <a:t>)		</a:t>
+            </a:r>
+            <a:endParaRPr lang="fr-CH" dirty="0"/>
+          </a:p>
+        </p:txBody>
+      </p:sp>
+      <p:sp>
+        <p:nvSpPr>
+          <p:cNvPr id="3" name="Espace réservé du texte 2"/>
+          <p:cNvSpPr>
+            <a:spLocks noGrp="1"/>
+          </p:cNvSpPr>
+          <p:nvPr>
+            <p:ph type="body" sz="quarter" idx="11"/>
+          </p:nvPr>
+        </p:nvSpPr>
+        <p:spPr/>
+        <p:txBody>
+          <a:bodyPr/>
+          <a:lstStyle/>
+          <a:p>
+            <a:r>
+              <a:rPr lang="fr-CH" dirty="0" smtClean="0"/>
+              <a:t>Ce qu’on devrait améliorer</a:t>
+            </a:r>
+          </a:p>
+          <a:p>
+            <a:pPr lvl="1"/>
+            <a:r>
+              <a:rPr lang="fr-CH" dirty="0" smtClean="0"/>
+              <a:t>Compatibilité</a:t>
+            </a:r>
+          </a:p>
+          <a:p>
+            <a:pPr lvl="1"/>
+            <a:r>
+              <a:rPr lang="fr-CH" dirty="0" smtClean="0"/>
+              <a:t>Enrichissement visuel du site</a:t>
+            </a:r>
+            <a:endParaRPr lang="fr-CH" dirty="0"/>
+          </a:p>
+        </p:txBody>
+      </p:sp>
+    </p:spTree>
+    <p:extLst>
+      <p:ext uri="{BB962C8B-B14F-4D97-AF65-F5344CB8AC3E}">
+        <p14:creationId xmlns:p14="http://schemas.microsoft.com/office/powerpoint/2010/main" val="3310086090"/>
+      </p:ext>
+    </p:extLst>
+  </p:cSld>
+  <p:clrMapOvr>
+    <a:masterClrMapping/>
+  </p:clrMapOvr>
+</p:sld>
+</file>
+
+<file path=ppt/slides/slide19.xml><?xml version="1.0" encoding="utf-8"?>
+<p:sld xmlns:a="http://schemas.openxmlformats.org/drawingml/2006/main" xmlns:r="http://schemas.openxmlformats.org/officeDocument/2006/relationships" xmlns:p="http://schemas.openxmlformats.org/presentationml/2006/main">
+  <p:cSld>
+    <p:spTree>
+      <p:nvGrpSpPr>
+        <p:cNvPr id="1" name=""/>
+        <p:cNvGrpSpPr/>
+        <p:nvPr/>
+      </p:nvGrpSpPr>
+      <p:grpSpPr>
+        <a:xfrm>
+          <a:off x="0" y="0"/>
+          <a:ext cx="0" cy="0"/>
+          <a:chOff x="0" y="0"/>
+          <a:chExt cx="0" cy="0"/>
+        </a:xfrm>
+      </p:grpSpPr>
+      <p:sp>
+        <p:nvSpPr>
+          <p:cNvPr id="2" name="Espace réservé du texte 1"/>
+          <p:cNvSpPr>
+            <a:spLocks noGrp="1"/>
+          </p:cNvSpPr>
+          <p:nvPr>
+            <p:ph type="body" sz="quarter" idx="10"/>
+          </p:nvPr>
+        </p:nvSpPr>
+        <p:spPr/>
+        <p:txBody>
+          <a:bodyPr/>
+          <a:lstStyle/>
+          <a:p>
+            <a:r>
+              <a:rPr lang="fr-CH" dirty="0" smtClean="0"/>
               <a:t>Principe de </a:t>
             </a:r>
             <a:r>
@@ -3010,7 +3835,25 @@
             </a:r>
             <a:r>
               <a:rPr lang="en-US" dirty="0" smtClean="0"/>
-              <a:t> application </a:t>
+              <a:t> </a:t>
+            </a:r>
+            <a:endParaRPr lang="en-US" dirty="0" smtClean="0"/>
+          </a:p>
+          <a:p>
+            <a:pPr marL="0" indent="0">
+              <a:buNone/>
+            </a:pPr>
+            <a:r>
+              <a:rPr lang="en-US" dirty="0"/>
+              <a:t> </a:t>
+            </a:r>
+            <a:r>
+              <a:rPr lang="en-US" dirty="0" smtClean="0"/>
+              <a:t>   </a:t>
+            </a:r>
+            <a:r>
+              <a:rPr lang="en-US" dirty="0" smtClean="0"/>
+              <a:t>application </a:t>
             </a:r>
             <a:r>
               <a:rPr lang="en-US" dirty="0" err="1" smtClean="0"/>
@@ -3024,6 +3867,28 @@
           </a:p>
         </p:txBody>
       </p:sp>
+      <p:pic>
+        <p:nvPicPr>
+          <p:cNvPr id="4" name="Image 3"/>
+          <p:cNvPicPr/>
+          <p:nvPr/>
+        </p:nvPicPr>
+        <p:blipFill>
+          <a:blip r:embed="rId2"/>
+          <a:stretch>
+            <a:fillRect/>
+          </a:stretch>
+        </p:blipFill>
+        <p:spPr>
+          <a:xfrm>
+            <a:off x="4644008" y="2059200"/>
+            <a:ext cx="3456384" cy="3637012"/>
+          </a:xfrm>
+          <a:prstGeom prst="rect">
+            <a:avLst/>
+          </a:prstGeom>
+        </p:spPr>
+      </p:pic>
     </p:spTree>
     <p:extLst>
       <p:ext uri="{BB962C8B-B14F-4D97-AF65-F5344CB8AC3E}">
@@ -3044,7 +3909,144 @@
 </p:sld>
 </file>
 
-<file path=ppt/slides/slide12.xml><?xml version="1.0" encoding="utf-8"?>
+<file path=ppt/slides/slide2.xml><?xml version="1.0" encoding="utf-8"?>
+<p:sld xmlns:a="http://schemas.openxmlformats.org/drawingml/2006/main" xmlns:r="http://schemas.openxmlformats.org/officeDocument/2006/relationships" xmlns:p="http://schemas.openxmlformats.org/presentationml/2006/main">
+  <p:cSld>
+    <p:spTree>
+      <p:nvGrpSpPr>
+        <p:cNvPr id="1" name=""/>
+        <p:cNvGrpSpPr/>
+        <p:nvPr/>
+      </p:nvGrpSpPr>
+      <p:grpSpPr>
+        <a:xfrm>
+          <a:off x="0" y="0"/>
+          <a:ext cx="0" cy="0"/>
+          <a:chOff x="0" y="0"/>
+          <a:chExt cx="0" cy="0"/>
+        </a:xfrm>
+      </p:grpSpPr>
+      <p:sp>
+        <p:nvSpPr>
+          <p:cNvPr id="2" name="Espace réservé du texte 1"/>
+          <p:cNvSpPr>
+            <a:spLocks noGrp="1"/>
+          </p:cNvSpPr>
+          <p:nvPr>
+            <p:ph type="body" sz="quarter" idx="10"/>
+          </p:nvPr>
+        </p:nvSpPr>
+        <p:spPr/>
+        <p:txBody>
+          <a:bodyPr/>
+          <a:lstStyle/>
+          <a:p>
+            <a:r>
+              <a:rPr lang="fr-CH" sz="2800" dirty="0" smtClean="0"/>
+              <a:t>Sommaire</a:t>
+            </a:r>
+            <a:endParaRPr lang="fr-CH" dirty="0"/>
+          </a:p>
+        </p:txBody>
+      </p:sp>
+      <p:sp>
+        <p:nvSpPr>
+          <p:cNvPr id="3" name="Espace réservé du texte 2"/>
+          <p:cNvSpPr>
+            <a:spLocks noGrp="1"/>
+          </p:cNvSpPr>
+          <p:nvPr>
+            <p:ph type="body" sz="quarter" idx="11"/>
+          </p:nvPr>
+        </p:nvSpPr>
+        <p:spPr>
+          <a:xfrm>
+            <a:off x="540000" y="3013200"/>
+            <a:ext cx="4921200" cy="2541600"/>
+          </a:xfrm>
+        </p:spPr>
+        <p:txBody>
+          <a:bodyPr/>
+          <a:lstStyle/>
+          <a:p>
+            <a:r>
+              <a:rPr lang="fr-CH" sz="2000" dirty="0" smtClean="0"/>
+              <a:t>Présentation du projet</a:t>
+            </a:r>
+          </a:p>
+          <a:p>
+            <a:r>
+              <a:rPr lang="fr-CH" sz="2000" dirty="0" smtClean="0"/>
+              <a:t>Présentation de l’application</a:t>
+            </a:r>
+          </a:p>
+          <a:p>
+            <a:r>
+              <a:rPr lang="fr-CH" sz="2000" dirty="0" smtClean="0"/>
+              <a:t>Structure du code</a:t>
+            </a:r>
+          </a:p>
+          <a:p>
+            <a:r>
+              <a:rPr lang="fr-CH" sz="2000" dirty="0" smtClean="0"/>
+              <a:t>Maquettes IHM</a:t>
+            </a:r>
+          </a:p>
+          <a:p>
+            <a:r>
+              <a:rPr lang="fr-CH" sz="2000" dirty="0" smtClean="0"/>
+              <a:t>Principe de </a:t>
+            </a:r>
+            <a:r>
+              <a:rPr lang="fr-CH" sz="2000" dirty="0" err="1" smtClean="0"/>
+              <a:t>gamification</a:t>
+            </a:r>
+            <a:endParaRPr lang="fr-CH" sz="2000" dirty="0" smtClean="0"/>
+          </a:p>
+          <a:p>
+            <a:r>
+              <a:rPr lang="fr-CH" sz="2000" dirty="0" smtClean="0"/>
+              <a:t>Démonstration</a:t>
+            </a:r>
+          </a:p>
+          <a:p>
+            <a:r>
+              <a:rPr lang="fr-CH" sz="2000" dirty="0" smtClean="0"/>
+              <a:t>Conclusion</a:t>
+            </a:r>
+          </a:p>
+          <a:p>
+            <a:r>
+              <a:rPr lang="fr-CH" sz="2000" dirty="0" smtClean="0"/>
+              <a:t>Questions ?</a:t>
+            </a:r>
+          </a:p>
+          <a:p>
+            <a:endParaRPr lang="fr-CH" dirty="0"/>
+          </a:p>
+        </p:txBody>
+      </p:sp>
+    </p:spTree>
+    <p:extLst>
+      <p:ext uri="{BB962C8B-B14F-4D97-AF65-F5344CB8AC3E}">
+        <p14:creationId xmlns:p14="http://schemas.microsoft.com/office/powerpoint/2010/main" val="178932604"/>
+      </p:ext>
+    </p:extLst>
+  </p:cSld>
+  <p:clrMapOvr>
+    <a:masterClrMapping/>
+  </p:clrMapOvr>
+  <p:timing>
+    <p:tnLst>
+      <p:par>
+        <p:cTn id="1" dur="indefinite" restart="never" nodeType="tmRoot"/>
+      </p:par>
+    </p:tnLst>
+  </p:timing>
+</p:sld>
+</file>
+
+<file path=ppt/slides/slide20.xml><?xml version="1.0" encoding="utf-8"?>
 <p:sld xmlns:a="http://schemas.openxmlformats.org/drawingml/2006/main" xmlns:r="http://schemas.openxmlformats.org/officeDocument/2006/relationships" xmlns:p="http://schemas.openxmlformats.org/presentationml/2006/main">
   <p:cSld>
     <p:spTree>
@@ -3163,7 +4165,7 @@
 </p:sld>
 </file>
 
-<file path=ppt/slides/slide13.xml><?xml version="1.0" encoding="utf-8"?>
+<file path=ppt/slides/slide21.xml><?xml version="1.0" encoding="utf-8"?>
 <p:sld xmlns:a="http://schemas.openxmlformats.org/drawingml/2006/main" xmlns:r="http://schemas.openxmlformats.org/officeDocument/2006/relationships" xmlns:p="http://schemas.openxmlformats.org/presentationml/2006/main">
   <p:cSld>
     <p:spTree>
@@ -3292,7 +4294,7 @@
 </p:sld>
 </file>
 
-<file path=ppt/slides/slide14.xml><?xml version="1.0" encoding="utf-8"?>
+<file path=ppt/slides/slide22.xml><?xml version="1.0" encoding="utf-8"?>
 <p:sld xmlns:a="http://schemas.openxmlformats.org/drawingml/2006/main" xmlns:r="http://schemas.openxmlformats.org/officeDocument/2006/relationships" xmlns:p="http://schemas.openxmlformats.org/presentationml/2006/main">
   <p:cSld>
     <p:spTree>
@@ -3403,143 +4405,6 @@
     <p:extLst>
       <p:ext uri="{BB962C8B-B14F-4D97-AF65-F5344CB8AC3E}">
         <p14:creationId xmlns:p14="http://schemas.microsoft.com/office/powerpoint/2010/main" val="977596596"/>
-      </p:ext>
-    </p:extLst>
-  </p:cSld>
-  <p:clrMapOvr>
-    <a:masterClrMapping/>
-  </p:clrMapOvr>
-  <p:timing>
-    <p:tnLst>
-      <p:par>
-        <p:cTn id="1" dur="indefinite" restart="never" nodeType="tmRoot"/>
-      </p:par>
-    </p:tnLst>
-  </p:timing>
-</p:sld>
-</file>
-
-<file path=ppt/slides/slide2.xml><?xml version="1.0" encoding="utf-8"?>
-<p:sld xmlns:a="http://schemas.openxmlformats.org/drawingml/2006/main" xmlns:r="http://schemas.openxmlformats.org/officeDocument/2006/relationships" xmlns:p="http://schemas.openxmlformats.org/presentationml/2006/main">
-  <p:cSld>
-    <p:spTree>
-      <p:nvGrpSpPr>
-        <p:cNvPr id="1" name=""/>
-        <p:cNvGrpSpPr/>
-        <p:nvPr/>
-      </p:nvGrpSpPr>
-      <p:grpSpPr>
-        <a:xfrm>
-          <a:off x="0" y="0"/>
-          <a:ext cx="0" cy="0"/>
-          <a:chOff x="0" y="0"/>
-          <a:chExt cx="0" cy="0"/>
-        </a:xfrm>
-      </p:grpSpPr>
-      <p:sp>
-        <p:nvSpPr>
-          <p:cNvPr id="2" name="Espace réservé du texte 1"/>
-          <p:cNvSpPr>
-            <a:spLocks noGrp="1"/>
-          </p:cNvSpPr>
-          <p:nvPr>
-            <p:ph type="body" sz="quarter" idx="10"/>
-          </p:nvPr>
-        </p:nvSpPr>
-        <p:spPr/>
-        <p:txBody>
-          <a:bodyPr/>
-          <a:lstStyle/>
-          <a:p>
-            <a:r>
-              <a:rPr lang="fr-CH" sz="2800" dirty="0" smtClean="0"/>
-              <a:t>Sommaire</a:t>
-            </a:r>
-            <a:endParaRPr lang="fr-CH" dirty="0"/>
-          </a:p>
-        </p:txBody>
-      </p:sp>
-      <p:sp>
-        <p:nvSpPr>
-          <p:cNvPr id="3" name="Espace réservé du texte 2"/>
-          <p:cNvSpPr>
-            <a:spLocks noGrp="1"/>
-          </p:cNvSpPr>
-          <p:nvPr>
-            <p:ph type="body" sz="quarter" idx="11"/>
-          </p:nvPr>
-        </p:nvSpPr>
-        <p:spPr>
-          <a:xfrm>
-            <a:off x="540000" y="3013200"/>
-            <a:ext cx="4921200" cy="2541600"/>
-          </a:xfrm>
-        </p:spPr>
-        <p:txBody>
-          <a:bodyPr/>
-          <a:lstStyle/>
-          <a:p>
-            <a:r>
-              <a:rPr lang="fr-CH" sz="2000" dirty="0" smtClean="0"/>
-              <a:t>Présentation du projet</a:t>
-            </a:r>
-          </a:p>
-          <a:p>
-            <a:r>
-              <a:rPr lang="fr-CH" sz="2000" dirty="0" smtClean="0"/>
-              <a:t>Présentation de l’application</a:t>
-            </a:r>
-          </a:p>
-          <a:p>
-            <a:r>
-              <a:rPr lang="fr-CH" sz="2000" dirty="0" smtClean="0"/>
-              <a:t>Structure du code</a:t>
-            </a:r>
-          </a:p>
-          <a:p>
-            <a:r>
-              <a:rPr lang="fr-CH" sz="2000" dirty="0" smtClean="0"/>
-              <a:t>Maquettes IHM</a:t>
-            </a:r>
-          </a:p>
-          <a:p>
-            <a:r>
-              <a:rPr lang="fr-CH" sz="2000" dirty="0" smtClean="0"/>
-              <a:t>Principe de </a:t>
-            </a:r>
-            <a:r>
-              <a:rPr lang="fr-CH" sz="2000" dirty="0" err="1" smtClean="0"/>
-              <a:t>gamification</a:t>
-            </a:r>
-            <a:endParaRPr lang="fr-CH" sz="2000" dirty="0" smtClean="0"/>
-          </a:p>
-          <a:p>
-            <a:r>
-              <a:rPr lang="fr-CH" sz="2000" dirty="0" smtClean="0"/>
-              <a:t>Démonstration</a:t>
-            </a:r>
-          </a:p>
-          <a:p>
-            <a:r>
-              <a:rPr lang="fr-CH" sz="2000" dirty="0" smtClean="0"/>
-              <a:t>Conclusion</a:t>
-            </a:r>
-          </a:p>
-          <a:p>
-            <a:r>
-              <a:rPr lang="fr-CH" sz="2000" dirty="0" smtClean="0"/>
-              <a:t>Questions ?</a:t>
-            </a:r>
-          </a:p>
-          <a:p>
-            <a:endParaRPr lang="fr-CH" dirty="0"/>
-          </a:p>
-        </p:txBody>
-      </p:sp>
-    </p:spTree>
-    <p:extLst>
-      <p:ext uri="{BB962C8B-B14F-4D97-AF65-F5344CB8AC3E}">
-        <p14:creationId xmlns:p14="http://schemas.microsoft.com/office/powerpoint/2010/main" val="178932604"/>
       </p:ext>
     </p:extLst>
   </p:cSld>
@@ -4278,11 +5143,7 @@
           <a:p>
             <a:r>
               <a:rPr lang="fr-CH" dirty="0" smtClean="0"/>
-              <a:t>Structure du </a:t>
-            </a:r>
-            <a:r>
-              <a:rPr lang="fr-CH" dirty="0" smtClean="0"/>
-              <a:t>code</a:t>
+              <a:t>Structure du code</a:t>
             </a:r>
             <a:endParaRPr lang="fr-CH" dirty="0"/>
           </a:p>
